--- a/TEAM PROJECT DELIVERABLES/TEAM5OARS Demo powerpoint.pptx
+++ b/TEAM PROJECT DELIVERABLES/TEAM5OARS Demo powerpoint.pptx
@@ -18,6 +18,10 @@
     <p:sldId id="261" r:id="rId12"/>
     <p:sldId id="269" r:id="rId13"/>
     <p:sldId id="268" r:id="rId14"/>
+    <p:sldId id="272" r:id="rId15"/>
+    <p:sldId id="273" r:id="rId16"/>
+    <p:sldId id="270" r:id="rId17"/>
+    <p:sldId id="271" r:id="rId18"/>
   </p:sldIdLst>
   <p:sldSz cx="9144000" cy="6858000" type="screen4x3"/>
   <p:notesSz cx="6858000" cy="9144000"/>
@@ -4393,6 +4397,373 @@
 </p:sld>
 </file>
 
+<file path=ppt/slides/slide14.xml><?xml version="1.0" encoding="utf-8"?>
+<p:sld xmlns:a="http://schemas.openxmlformats.org/drawingml/2006/main" xmlns:r="http://schemas.openxmlformats.org/officeDocument/2006/relationships" xmlns:p="http://schemas.openxmlformats.org/presentationml/2006/main">
+  <p:cSld>
+    <p:spTree>
+      <p:nvGrpSpPr>
+        <p:cNvPr id="1" name=""/>
+        <p:cNvGrpSpPr/>
+        <p:nvPr/>
+      </p:nvGrpSpPr>
+      <p:grpSpPr>
+        <a:xfrm>
+          <a:off x="0" y="0"/>
+          <a:ext cx="0" cy="0"/>
+          <a:chOff x="0" y="0"/>
+          <a:chExt cx="0" cy="0"/>
+        </a:xfrm>
+      </p:grpSpPr>
+      <p:sp>
+        <p:nvSpPr>
+          <p:cNvPr id="2" name="Title 1"/>
+          <p:cNvSpPr>
+            <a:spLocks noGrp="1"/>
+          </p:cNvSpPr>
+          <p:nvPr>
+            <p:ph type="title"/>
+          </p:nvPr>
+        </p:nvSpPr>
+        <p:spPr/>
+        <p:txBody>
+          <a:bodyPr/>
+          <a:lstStyle/>
+          <a:p>
+            <a:endParaRPr lang="en-US"/>
+          </a:p>
+        </p:txBody>
+      </p:sp>
+      <p:sp>
+        <p:nvSpPr>
+          <p:cNvPr id="3" name="Content Placeholder 2"/>
+          <p:cNvSpPr>
+            <a:spLocks noGrp="1"/>
+          </p:cNvSpPr>
+          <p:nvPr>
+            <p:ph idx="1"/>
+          </p:nvPr>
+        </p:nvSpPr>
+        <p:spPr/>
+        <p:txBody>
+          <a:bodyPr/>
+          <a:lstStyle/>
+          <a:p>
+            <a:endParaRPr lang="en-US"/>
+          </a:p>
+        </p:txBody>
+      </p:sp>
+      <p:pic>
+        <p:nvPicPr>
+          <p:cNvPr id="4" name="Picture 3"/>
+          <p:cNvPicPr>
+            <a:picLocks noChangeAspect="1"/>
+          </p:cNvPicPr>
+          <p:nvPr/>
+        </p:nvPicPr>
+        <p:blipFill>
+          <a:blip r:embed="rId2"/>
+          <a:stretch>
+            <a:fillRect/>
+          </a:stretch>
+        </p:blipFill>
+        <p:spPr>
+          <a:xfrm>
+            <a:off x="534754" y="1219200"/>
+            <a:ext cx="8380645" cy="4714113"/>
+          </a:xfrm>
+          <a:prstGeom prst="rect">
+            <a:avLst/>
+          </a:prstGeom>
+        </p:spPr>
+      </p:pic>
+    </p:spTree>
+    <p:extLst>
+      <p:ext uri="{BB962C8B-B14F-4D97-AF65-F5344CB8AC3E}">
+        <p14:creationId xmlns:p14="http://schemas.microsoft.com/office/powerpoint/2010/main" val="1828669661"/>
+      </p:ext>
+    </p:extLst>
+  </p:cSld>
+  <p:clrMapOvr>
+    <a:masterClrMapping/>
+  </p:clrMapOvr>
+</p:sld>
+</file>
+
+<file path=ppt/slides/slide15.xml><?xml version="1.0" encoding="utf-8"?>
+<p:sld xmlns:a="http://schemas.openxmlformats.org/drawingml/2006/main" xmlns:r="http://schemas.openxmlformats.org/officeDocument/2006/relationships" xmlns:p="http://schemas.openxmlformats.org/presentationml/2006/main">
+  <p:cSld>
+    <p:spTree>
+      <p:nvGrpSpPr>
+        <p:cNvPr id="1" name=""/>
+        <p:cNvGrpSpPr/>
+        <p:nvPr/>
+      </p:nvGrpSpPr>
+      <p:grpSpPr>
+        <a:xfrm>
+          <a:off x="0" y="0"/>
+          <a:ext cx="0" cy="0"/>
+          <a:chOff x="0" y="0"/>
+          <a:chExt cx="0" cy="0"/>
+        </a:xfrm>
+      </p:grpSpPr>
+      <p:sp>
+        <p:nvSpPr>
+          <p:cNvPr id="2" name="Title 1"/>
+          <p:cNvSpPr>
+            <a:spLocks noGrp="1"/>
+          </p:cNvSpPr>
+          <p:nvPr>
+            <p:ph type="title"/>
+          </p:nvPr>
+        </p:nvSpPr>
+        <p:spPr/>
+        <p:txBody>
+          <a:bodyPr/>
+          <a:lstStyle/>
+          <a:p>
+            <a:endParaRPr lang="en-US"/>
+          </a:p>
+        </p:txBody>
+      </p:sp>
+      <p:sp>
+        <p:nvSpPr>
+          <p:cNvPr id="3" name="Content Placeholder 2"/>
+          <p:cNvSpPr>
+            <a:spLocks noGrp="1"/>
+          </p:cNvSpPr>
+          <p:nvPr>
+            <p:ph idx="1"/>
+          </p:nvPr>
+        </p:nvSpPr>
+        <p:spPr/>
+        <p:txBody>
+          <a:bodyPr/>
+          <a:lstStyle/>
+          <a:p>
+            <a:endParaRPr lang="en-US" dirty="0"/>
+          </a:p>
+        </p:txBody>
+      </p:sp>
+      <p:pic>
+        <p:nvPicPr>
+          <p:cNvPr id="4" name="Picture 3"/>
+          <p:cNvPicPr>
+            <a:picLocks noChangeAspect="1"/>
+          </p:cNvPicPr>
+          <p:nvPr/>
+        </p:nvPicPr>
+        <p:blipFill rotWithShape="1">
+          <a:blip r:embed="rId2"/>
+          <a:srcRect t="18662" r="85468" b="38208"/>
+          <a:stretch/>
+        </p:blipFill>
+        <p:spPr>
+          <a:xfrm>
+            <a:off x="2819400" y="472821"/>
+            <a:ext cx="3505200" cy="5851779"/>
+          </a:xfrm>
+          <a:prstGeom prst="rect">
+            <a:avLst/>
+          </a:prstGeom>
+        </p:spPr>
+      </p:pic>
+    </p:spTree>
+    <p:extLst>
+      <p:ext uri="{BB962C8B-B14F-4D97-AF65-F5344CB8AC3E}">
+        <p14:creationId xmlns:p14="http://schemas.microsoft.com/office/powerpoint/2010/main" val="2903622284"/>
+      </p:ext>
+    </p:extLst>
+  </p:cSld>
+  <p:clrMapOvr>
+    <a:masterClrMapping/>
+  </p:clrMapOvr>
+</p:sld>
+</file>
+
+<file path=ppt/slides/slide16.xml><?xml version="1.0" encoding="utf-8"?>
+<p:sld xmlns:a="http://schemas.openxmlformats.org/drawingml/2006/main" xmlns:r="http://schemas.openxmlformats.org/officeDocument/2006/relationships" xmlns:p="http://schemas.openxmlformats.org/presentationml/2006/main">
+  <p:cSld>
+    <p:spTree>
+      <p:nvGrpSpPr>
+        <p:cNvPr id="1" name=""/>
+        <p:cNvGrpSpPr/>
+        <p:nvPr/>
+      </p:nvGrpSpPr>
+      <p:grpSpPr>
+        <a:xfrm>
+          <a:off x="0" y="0"/>
+          <a:ext cx="0" cy="0"/>
+          <a:chOff x="0" y="0"/>
+          <a:chExt cx="0" cy="0"/>
+        </a:xfrm>
+      </p:grpSpPr>
+      <p:sp>
+        <p:nvSpPr>
+          <p:cNvPr id="2" name="Title 1"/>
+          <p:cNvSpPr>
+            <a:spLocks noGrp="1"/>
+          </p:cNvSpPr>
+          <p:nvPr>
+            <p:ph type="title"/>
+          </p:nvPr>
+        </p:nvSpPr>
+        <p:spPr/>
+        <p:txBody>
+          <a:bodyPr/>
+          <a:lstStyle/>
+          <a:p>
+            <a:endParaRPr lang="en-US"/>
+          </a:p>
+        </p:txBody>
+      </p:sp>
+      <p:sp>
+        <p:nvSpPr>
+          <p:cNvPr id="3" name="Content Placeholder 2"/>
+          <p:cNvSpPr>
+            <a:spLocks noGrp="1"/>
+          </p:cNvSpPr>
+          <p:nvPr>
+            <p:ph idx="1"/>
+          </p:nvPr>
+        </p:nvSpPr>
+        <p:spPr/>
+        <p:txBody>
+          <a:bodyPr/>
+          <a:lstStyle/>
+          <a:p>
+            <a:endParaRPr lang="en-US"/>
+          </a:p>
+        </p:txBody>
+      </p:sp>
+      <p:pic>
+        <p:nvPicPr>
+          <p:cNvPr id="4" name="Picture 3"/>
+          <p:cNvPicPr>
+            <a:picLocks noChangeAspect="1"/>
+          </p:cNvPicPr>
+          <p:nvPr/>
+        </p:nvPicPr>
+        <p:blipFill>
+          <a:blip r:embed="rId2"/>
+          <a:stretch>
+            <a:fillRect/>
+          </a:stretch>
+        </p:blipFill>
+        <p:spPr>
+          <a:xfrm>
+            <a:off x="287866" y="1066800"/>
+            <a:ext cx="8568267" cy="4819650"/>
+          </a:xfrm>
+          <a:prstGeom prst="rect">
+            <a:avLst/>
+          </a:prstGeom>
+        </p:spPr>
+      </p:pic>
+    </p:spTree>
+    <p:extLst>
+      <p:ext uri="{BB962C8B-B14F-4D97-AF65-F5344CB8AC3E}">
+        <p14:creationId xmlns:p14="http://schemas.microsoft.com/office/powerpoint/2010/main" val="2689318430"/>
+      </p:ext>
+    </p:extLst>
+  </p:cSld>
+  <p:clrMapOvr>
+    <a:masterClrMapping/>
+  </p:clrMapOvr>
+</p:sld>
+</file>
+
+<file path=ppt/slides/slide17.xml><?xml version="1.0" encoding="utf-8"?>
+<p:sld xmlns:a="http://schemas.openxmlformats.org/drawingml/2006/main" xmlns:r="http://schemas.openxmlformats.org/officeDocument/2006/relationships" xmlns:p="http://schemas.openxmlformats.org/presentationml/2006/main">
+  <p:cSld>
+    <p:spTree>
+      <p:nvGrpSpPr>
+        <p:cNvPr id="1" name=""/>
+        <p:cNvGrpSpPr/>
+        <p:nvPr/>
+      </p:nvGrpSpPr>
+      <p:grpSpPr>
+        <a:xfrm>
+          <a:off x="0" y="0"/>
+          <a:ext cx="0" cy="0"/>
+          <a:chOff x="0" y="0"/>
+          <a:chExt cx="0" cy="0"/>
+        </a:xfrm>
+      </p:grpSpPr>
+      <p:sp>
+        <p:nvSpPr>
+          <p:cNvPr id="2" name="Title 1"/>
+          <p:cNvSpPr>
+            <a:spLocks noGrp="1"/>
+          </p:cNvSpPr>
+          <p:nvPr>
+            <p:ph type="title"/>
+          </p:nvPr>
+        </p:nvSpPr>
+        <p:spPr/>
+        <p:txBody>
+          <a:bodyPr/>
+          <a:lstStyle/>
+          <a:p>
+            <a:endParaRPr lang="en-US"/>
+          </a:p>
+        </p:txBody>
+      </p:sp>
+      <p:sp>
+        <p:nvSpPr>
+          <p:cNvPr id="3" name="Content Placeholder 2"/>
+          <p:cNvSpPr>
+            <a:spLocks noGrp="1"/>
+          </p:cNvSpPr>
+          <p:nvPr>
+            <p:ph idx="1"/>
+          </p:nvPr>
+        </p:nvSpPr>
+        <p:spPr/>
+        <p:txBody>
+          <a:bodyPr/>
+          <a:lstStyle/>
+          <a:p>
+            <a:endParaRPr lang="en-US"/>
+          </a:p>
+        </p:txBody>
+      </p:sp>
+      <p:pic>
+        <p:nvPicPr>
+          <p:cNvPr id="4" name="Picture 3"/>
+          <p:cNvPicPr>
+            <a:picLocks noChangeAspect="1"/>
+          </p:cNvPicPr>
+          <p:nvPr/>
+        </p:nvPicPr>
+        <p:blipFill>
+          <a:blip r:embed="rId2"/>
+          <a:stretch>
+            <a:fillRect/>
+          </a:stretch>
+        </p:blipFill>
+        <p:spPr>
+          <a:xfrm>
+            <a:off x="304800" y="990600"/>
+            <a:ext cx="8534400" cy="4800600"/>
+          </a:xfrm>
+          <a:prstGeom prst="rect">
+            <a:avLst/>
+          </a:prstGeom>
+        </p:spPr>
+      </p:pic>
+    </p:spTree>
+    <p:extLst>
+      <p:ext uri="{BB962C8B-B14F-4D97-AF65-F5344CB8AC3E}">
+        <p14:creationId xmlns:p14="http://schemas.microsoft.com/office/powerpoint/2010/main" val="2691072092"/>
+      </p:ext>
+    </p:extLst>
+  </p:cSld>
+  <p:clrMapOvr>
+    <a:masterClrMapping/>
+  </p:clrMapOvr>
+</p:sld>
+</file>
+
 <file path=ppt/slides/slide2.xml><?xml version="1.0" encoding="utf-8"?>
 <p:sld xmlns:a="http://schemas.openxmlformats.org/drawingml/2006/main" xmlns:r="http://schemas.openxmlformats.org/officeDocument/2006/relationships" xmlns:p="http://schemas.openxmlformats.org/presentationml/2006/main">
   <p:cSld>
